--- a/representation/Cyclistic_Project_Presentation.pptx
+++ b/representation/Cyclistic_Project_Presentation.pptx
@@ -13,8 +13,9 @@
     <p:sldId id="261" r:id="rId7"/>
     <p:sldId id="262" r:id="rId8"/>
     <p:sldId id="263" r:id="rId9"/>
-    <p:sldId id="264" r:id="rId10"/>
-    <p:sldId id="265" r:id="rId11"/>
+    <p:sldId id="266" r:id="rId10"/>
+    <p:sldId id="264" r:id="rId11"/>
+    <p:sldId id="265" r:id="rId12"/>
   </p:sldIdLst>
   <p:sldSz cx="9144000" cy="6858000" type="screen4x3"/>
   <p:notesSz cx="6858000" cy="9144000"/>
@@ -6337,6 +6338,83 @@
           <a:lstStyle/>
           <a:p>
             <a:r>
+              <a:t>📌 Conclusão e Próximos Passos</a:t>
+            </a:r>
+          </a:p>
+        </p:txBody>
+      </p:sp>
+      <p:sp>
+        <p:nvSpPr>
+          <p:cNvPr id="3" name="Content Placeholder 2"/>
+          <p:cNvSpPr>
+            <a:spLocks noGrp="1"/>
+          </p:cNvSpPr>
+          <p:nvPr>
+            <p:ph idx="1"/>
+          </p:nvPr>
+        </p:nvSpPr>
+        <p:spPr/>
+        <p:txBody>
+          <a:bodyPr/>
+          <a:lstStyle/>
+          <a:p>
+            <a:r>
+              <a:t>✅ Projeto concluído com análise completa e visualização interativa.</a:t>
+            </a:r>
+          </a:p>
+          <a:p>
+            <a:r>
+              <a:t>📂 Disponível no GitHub para consulta e feedback.</a:t>
+            </a:r>
+          </a:p>
+          <a:p>
+            <a:r>
+              <a:t>🚀 Preparado para atuar com dados reais em ambientes de negócio.</a:t>
+            </a:r>
+          </a:p>
+        </p:txBody>
+      </p:sp>
+    </p:spTree>
+  </p:cSld>
+  <p:clrMapOvr>
+    <a:masterClrMapping/>
+  </p:clrMapOvr>
+</p:sld>
+</file>
+
+<file path=ppt/slides/slide11.xml><?xml version="1.0" encoding="utf-8"?>
+<p:sld xmlns:a="http://schemas.openxmlformats.org/drawingml/2006/main" xmlns:r="http://schemas.openxmlformats.org/officeDocument/2006/relationships" xmlns:p="http://schemas.openxmlformats.org/presentationml/2006/main">
+  <p:cSld>
+    <p:spTree>
+      <p:nvGrpSpPr>
+        <p:cNvPr id="1" name=""/>
+        <p:cNvGrpSpPr/>
+        <p:nvPr/>
+      </p:nvGrpSpPr>
+      <p:grpSpPr>
+        <a:xfrm>
+          <a:off x="0" y="0"/>
+          <a:ext cx="0" cy="0"/>
+          <a:chOff x="0" y="0"/>
+          <a:chExt cx="0" cy="0"/>
+        </a:xfrm>
+      </p:grpSpPr>
+      <p:sp>
+        <p:nvSpPr>
+          <p:cNvPr id="2" name="Title 1"/>
+          <p:cNvSpPr>
+            <a:spLocks noGrp="1"/>
+          </p:cNvSpPr>
+          <p:nvPr>
+            <p:ph type="title"/>
+          </p:nvPr>
+        </p:nvSpPr>
+        <p:spPr/>
+        <p:txBody>
+          <a:bodyPr/>
+          <a:lstStyle/>
+          <a:p>
+            <a:r>
               <a:t>🧠 Respostas e Insights do Estudo</a:t>
             </a:r>
           </a:p>
@@ -7057,59 +7135,41 @@
           <a:chExt cx="0" cy="0"/>
         </a:xfrm>
       </p:grpSpPr>
-      <p:sp>
-        <p:nvSpPr>
-          <p:cNvPr id="2" name="Title 1"/>
-          <p:cNvSpPr>
-            <a:spLocks noGrp="1"/>
-          </p:cNvSpPr>
-          <p:nvPr>
-            <p:ph type="title"/>
-          </p:nvPr>
-        </p:nvSpPr>
-        <p:spPr/>
-        <p:txBody>
-          <a:bodyPr/>
-          <a:lstStyle/>
-          <a:p>
-            <a:r>
-              <a:t>📌 Conclusão e Próximos Passos</a:t>
-            </a:r>
-          </a:p>
-        </p:txBody>
-      </p:sp>
-      <p:sp>
-        <p:nvSpPr>
-          <p:cNvPr id="3" name="Content Placeholder 2"/>
-          <p:cNvSpPr>
-            <a:spLocks noGrp="1"/>
-          </p:cNvSpPr>
+      <p:pic>
+        <p:nvPicPr>
+          <p:cNvPr id="5" name="Content Placeholder 4">
+            <a:extLst>
+              <a:ext uri="{FF2B5EF4-FFF2-40B4-BE49-F238E27FC236}">
+                <a16:creationId xmlns:a16="http://schemas.microsoft.com/office/drawing/2014/main" id="{4F5D5473-5ACC-6710-55A0-3E583129A908}"/>
+              </a:ext>
+            </a:extLst>
+          </p:cNvPr>
+          <p:cNvPicPr>
+            <a:picLocks noGrp="1" noChangeAspect="1"/>
+          </p:cNvPicPr>
           <p:nvPr>
             <p:ph idx="1"/>
           </p:nvPr>
-        </p:nvSpPr>
-        <p:spPr/>
-        <p:txBody>
-          <a:bodyPr/>
-          <a:lstStyle/>
-          <a:p>
-            <a:r>
-              <a:t>✅ Projeto concluído com análise completa e visualização interativa.</a:t>
-            </a:r>
-          </a:p>
-          <a:p>
-            <a:r>
-              <a:t>📂 Disponível no GitHub para consulta e feedback.</a:t>
-            </a:r>
-          </a:p>
-          <a:p>
-            <a:r>
-              <a:t>🚀 Preparado para atuar com dados reais em ambientes de negócio.</a:t>
-            </a:r>
-          </a:p>
-        </p:txBody>
-      </p:sp>
+        </p:nvPicPr>
+        <p:blipFill>
+          <a:blip r:embed="rId2"/>
+          <a:stretch>
+            <a:fillRect/>
+          </a:stretch>
+        </p:blipFill>
+        <p:spPr>
+          <a:xfrm>
+            <a:off x="677551" y="1234911"/>
+            <a:ext cx="7788897" cy="5192598"/>
+          </a:xfrm>
+        </p:spPr>
+      </p:pic>
     </p:spTree>
+    <p:extLst>
+      <p:ext uri="{BB962C8B-B14F-4D97-AF65-F5344CB8AC3E}">
+        <p14:creationId xmlns:p14="http://schemas.microsoft.com/office/powerpoint/2010/main" val="2430887926"/>
+      </p:ext>
+    </p:extLst>
   </p:cSld>
   <p:clrMapOvr>
     <a:masterClrMapping/>
